--- a/prezentation1101.pptx
+++ b/prezentation1101.pptx
@@ -1,6 +1,6 @@
 
 <file path=ppt/presentation.xml><?xml version="1.0" encoding="utf-8"?>
-<p:presentation xmlns:a="http://schemas.openxmlformats.org/drawingml/2006/main" xmlns:r="http://schemas.openxmlformats.org/officeDocument/2006/relationships" xmlns:p="http://schemas.openxmlformats.org/presentationml/2006/main" showSpecialPlsOnTitleSld="0" saveSubsetFonts="1" autoCompressPictures="0">
+<p:presentation xmlns:a="http://schemas.openxmlformats.org/drawingml/2006/main" xmlns:r="http://schemas.openxmlformats.org/officeDocument/2006/relationships" xmlns:p="http://schemas.openxmlformats.org/presentationml/2006/main" showSpecialPlsOnTitleSld="0" embedTrueTypeFonts="1" autoCompressPictures="0">
   <p:sldMasterIdLst>
     <p:sldMasterId id="2147483666" r:id="rId4"/>
   </p:sldMasterIdLst>
@@ -24,6 +24,12 @@
   </p:sldIdLst>
   <p:sldSz cx="12192000" cy="6858000"/>
   <p:notesSz cx="6858000" cy="9144000"/>
+  <p:embeddedFontLst>
+    <p:embeddedFont>
+      <p:font typeface="OCR A Becker RUS-LAT" panose="00000009000000000000" pitchFamily="50" charset="-52"/>
+      <p:regular r:id="rId17"/>
+    </p:embeddedFont>
+  </p:embeddedFontLst>
   <p:defaultTextStyle>
     <a:defPPr rtl="0">
       <a:defRPr lang="ru-RU"/>
@@ -9035,6 +9041,15 @@
 </file>
 
 <file path=customXml/item1.xml><?xml version="1.0" encoding="utf-8"?>
+<?mso-contentType ?>
+<FormTemplates xmlns="http://schemas.microsoft.com/sharepoint/v3/contenttype/forms">
+  <Display>DocumentLibraryForm</Display>
+  <Edit>DocumentLibraryForm</Edit>
+  <New>DocumentLibraryForm</New>
+</FormTemplates>
+</file>
+
+<file path=customXml/item2.xml><?xml version="1.0" encoding="utf-8"?>
 <p:properties xmlns:p="http://schemas.microsoft.com/office/2006/metadata/properties" xmlns:xsi="http://www.w3.org/2001/XMLSchema-instance" xmlns:pc="http://schemas.microsoft.com/office/infopath/2007/PartnerControls">
   <documentManagement>
     <_ip_UnifiedCompliancePolicyUIAction xmlns="http://schemas.microsoft.com/sharepoint/v3" xsi:nil="true"/>
@@ -9052,15 +9067,6 @@
     <MediaServiceKeyPoints xmlns="71af3243-3dd4-4a8d-8c0d-dd76da1f02a5" xsi:nil="true"/>
   </documentManagement>
 </p:properties>
-</file>
-
-<file path=customXml/item2.xml><?xml version="1.0" encoding="utf-8"?>
-<?mso-contentType ?>
-<FormTemplates xmlns="http://schemas.microsoft.com/sharepoint/v3/contenttype/forms">
-  <Display>DocumentLibraryForm</Display>
-  <Edit>DocumentLibraryForm</Edit>
-  <New>DocumentLibraryForm</New>
-</FormTemplates>
 </file>
 
 <file path=customXml/item3.xml><?xml version="1.0" encoding="utf-8"?>
@@ -9376,21 +9382,28 @@
 </file>
 
 <file path=customXml/itemProps1.xml><?xml version="1.0" encoding="utf-8"?>
-<ds:datastoreItem xmlns:ds="http://schemas.openxmlformats.org/officeDocument/2006/customXml" ds:itemID="{AB045227-5724-4DBF-9712-031B1BFB2C3C}">
+<ds:datastoreItem xmlns:ds="http://schemas.openxmlformats.org/officeDocument/2006/customXml" ds:itemID="{B7B39BD0-040C-43BE-B0E4-512B09E8003F}">
   <ds:schemaRefs>
-    <ds:schemaRef ds:uri="http://schemas.microsoft.com/office/2006/metadata/properties"/>
-    <ds:schemaRef ds:uri="http://schemas.microsoft.com/office/infopath/2007/PartnerControls"/>
-    <ds:schemaRef ds:uri="http://schemas.microsoft.com/sharepoint/v3"/>
-    <ds:schemaRef ds:uri="71af3243-3dd4-4a8d-8c0d-dd76da1f02a5"/>
-    <ds:schemaRef ds:uri="230e9df3-be65-4c73-a93b-d1236ebd677e"/>
+    <ds:schemaRef ds:uri="http://schemas.microsoft.com/sharepoint/v3/contenttype/forms"/>
   </ds:schemaRefs>
 </ds:datastoreItem>
 </file>
 
 <file path=customXml/itemProps2.xml><?xml version="1.0" encoding="utf-8"?>
-<ds:datastoreItem xmlns:ds="http://schemas.openxmlformats.org/officeDocument/2006/customXml" ds:itemID="{B7B39BD0-040C-43BE-B0E4-512B09E8003F}">
+<ds:datastoreItem xmlns:ds="http://schemas.openxmlformats.org/officeDocument/2006/customXml" ds:itemID="{AB045227-5724-4DBF-9712-031B1BFB2C3C}">
   <ds:schemaRefs>
-    <ds:schemaRef ds:uri="http://schemas.microsoft.com/sharepoint/v3/contenttype/forms"/>
+    <ds:schemaRef ds:uri="http://schemas.microsoft.com/office/2006/documentManagement/types"/>
+    <ds:schemaRef ds:uri="http://purl.org/dc/terms/"/>
+    <ds:schemaRef ds:uri="71af3243-3dd4-4a8d-8c0d-dd76da1f02a5"/>
+    <ds:schemaRef ds:uri="http://www.w3.org/XML/1998/namespace"/>
+    <ds:schemaRef ds:uri="http://purl.org/dc/elements/1.1/"/>
+    <ds:schemaRef ds:uri="http://schemas.microsoft.com/office/infopath/2007/PartnerControls"/>
+    <ds:schemaRef ds:uri="http://schemas.openxmlformats.org/package/2006/metadata/core-properties"/>
+    <ds:schemaRef ds:uri="230e9df3-be65-4c73-a93b-d1236ebd677e"/>
+    <ds:schemaRef ds:uri="16c05727-aa75-4e4a-9b5f-8a80a1165891"/>
+    <ds:schemaRef ds:uri="http://schemas.microsoft.com/sharepoint/v3"/>
+    <ds:schemaRef ds:uri="http://schemas.microsoft.com/office/2006/metadata/properties"/>
+    <ds:schemaRef ds:uri="http://purl.org/dc/dcmitype/"/>
   </ds:schemaRefs>
 </ds:datastoreItem>
 </file>
